--- a/Abax/failingactors.pptx
+++ b/Abax/failingactors.pptx
@@ -5,7 +5,7 @@
     <p:sldMasterId id="2147484476" r:id="rId4"/>
   </p:sldMasterIdLst>
   <p:notesMasterIdLst>
-    <p:notesMasterId r:id="rId36"/>
+    <p:notesMasterId r:id="rId37"/>
   </p:notesMasterIdLst>
   <p:sldIdLst>
     <p:sldId id="540" r:id="rId5"/>
@@ -38,7 +38,8 @@
     <p:sldId id="541" r:id="rId32"/>
     <p:sldId id="539" r:id="rId33"/>
     <p:sldId id="543" r:id="rId34"/>
-    <p:sldId id="570" r:id="rId35"/>
+    <p:sldId id="571" r:id="rId35"/>
+    <p:sldId id="570" r:id="rId36"/>
   </p:sldIdLst>
   <p:sldSz cx="12192000" cy="6858000"/>
   <p:notesSz cx="6858000" cy="9144000"/>
@@ -188,6 +189,7 @@
             <p14:sldId id="541"/>
             <p14:sldId id="539"/>
             <p14:sldId id="543"/>
+            <p14:sldId id="571"/>
             <p14:sldId id="570"/>
           </p14:sldIdLst>
         </p14:section>
@@ -331,7 +333,7 @@
           <a:p>
             <a:fld id="{826EE6A8-7E37-4A55-A586-C8FFB78609B1}" type="datetimeFigureOut">
               <a:rPr lang="sv-SE" smtClean="0"/>
-              <a:t>2020-10-22</a:t>
+              <a:t>2020-10-23</a:t>
             </a:fld>
             <a:endParaRPr lang="sv-SE"/>
           </a:p>
@@ -1066,7 +1068,7 @@
           <a:p>
             <a:fld id="{FF633EE0-2569-4F58-A582-E56ADACD7068}" type="datetimeFigureOut">
               <a:rPr lang="sv-SE" smtClean="0"/>
-              <a:t>2020-10-22</a:t>
+              <a:t>2020-10-23</a:t>
             </a:fld>
             <a:endParaRPr lang="sv-SE"/>
           </a:p>
@@ -1236,7 +1238,7 @@
           <a:p>
             <a:fld id="{FF633EE0-2569-4F58-A582-E56ADACD7068}" type="datetimeFigureOut">
               <a:rPr lang="sv-SE" smtClean="0"/>
-              <a:t>2020-10-22</a:t>
+              <a:t>2020-10-23</a:t>
             </a:fld>
             <a:endParaRPr lang="sv-SE"/>
           </a:p>
@@ -1416,7 +1418,7 @@
           <a:p>
             <a:fld id="{FF633EE0-2569-4F58-A582-E56ADACD7068}" type="datetimeFigureOut">
               <a:rPr lang="sv-SE" smtClean="0"/>
-              <a:t>2020-10-22</a:t>
+              <a:t>2020-10-23</a:t>
             </a:fld>
             <a:endParaRPr lang="sv-SE"/>
           </a:p>
@@ -1586,7 +1588,7 @@
           <a:p>
             <a:fld id="{FF633EE0-2569-4F58-A582-E56ADACD7068}" type="datetimeFigureOut">
               <a:rPr lang="sv-SE" smtClean="0"/>
-              <a:t>2020-10-22</a:t>
+              <a:t>2020-10-23</a:t>
             </a:fld>
             <a:endParaRPr lang="sv-SE"/>
           </a:p>
@@ -1832,7 +1834,7 @@
           <a:p>
             <a:fld id="{FF633EE0-2569-4F58-A582-E56ADACD7068}" type="datetimeFigureOut">
               <a:rPr lang="sv-SE" smtClean="0"/>
-              <a:t>2020-10-22</a:t>
+              <a:t>2020-10-23</a:t>
             </a:fld>
             <a:endParaRPr lang="sv-SE"/>
           </a:p>
@@ -2064,7 +2066,7 @@
           <a:p>
             <a:fld id="{FF633EE0-2569-4F58-A582-E56ADACD7068}" type="datetimeFigureOut">
               <a:rPr lang="sv-SE" smtClean="0"/>
-              <a:t>2020-10-22</a:t>
+              <a:t>2020-10-23</a:t>
             </a:fld>
             <a:endParaRPr lang="sv-SE"/>
           </a:p>
@@ -2431,7 +2433,7 @@
           <a:p>
             <a:fld id="{FF633EE0-2569-4F58-A582-E56ADACD7068}" type="datetimeFigureOut">
               <a:rPr lang="sv-SE" smtClean="0"/>
-              <a:t>2020-10-22</a:t>
+              <a:t>2020-10-23</a:t>
             </a:fld>
             <a:endParaRPr lang="sv-SE"/>
           </a:p>
@@ -2549,7 +2551,7 @@
           <a:p>
             <a:fld id="{FF633EE0-2569-4F58-A582-E56ADACD7068}" type="datetimeFigureOut">
               <a:rPr lang="sv-SE" smtClean="0"/>
-              <a:t>2020-10-22</a:t>
+              <a:t>2020-10-23</a:t>
             </a:fld>
             <a:endParaRPr lang="sv-SE"/>
           </a:p>
@@ -2644,7 +2646,7 @@
           <a:p>
             <a:fld id="{FF633EE0-2569-4F58-A582-E56ADACD7068}" type="datetimeFigureOut">
               <a:rPr lang="sv-SE" smtClean="0"/>
-              <a:t>2020-10-22</a:t>
+              <a:t>2020-10-23</a:t>
             </a:fld>
             <a:endParaRPr lang="sv-SE"/>
           </a:p>
@@ -2921,7 +2923,7 @@
           <a:p>
             <a:fld id="{FF633EE0-2569-4F58-A582-E56ADACD7068}" type="datetimeFigureOut">
               <a:rPr lang="sv-SE" smtClean="0"/>
-              <a:t>2020-10-22</a:t>
+              <a:t>2020-10-23</a:t>
             </a:fld>
             <a:endParaRPr lang="sv-SE"/>
           </a:p>
@@ -3178,7 +3180,7 @@
           <a:p>
             <a:fld id="{FF633EE0-2569-4F58-A582-E56ADACD7068}" type="datetimeFigureOut">
               <a:rPr lang="sv-SE" smtClean="0"/>
-              <a:t>2020-10-22</a:t>
+              <a:t>2020-10-23</a:t>
             </a:fld>
             <a:endParaRPr lang="sv-SE"/>
           </a:p>
@@ -3391,7 +3393,7 @@
           <a:p>
             <a:fld id="{FF633EE0-2569-4F58-A582-E56ADACD7068}" type="datetimeFigureOut">
               <a:rPr lang="sv-SE" smtClean="0"/>
-              <a:t>2020-10-22</a:t>
+              <a:t>2020-10-23</a:t>
             </a:fld>
             <a:endParaRPr lang="sv-SE"/>
           </a:p>
@@ -22558,6 +22560,1556 @@
           </a:p>
         </p:txBody>
       </p:sp>
+      <p:sp>
+        <p:nvSpPr>
+          <p:cNvPr id="17" name="Hexagon 16"/>
+          <p:cNvSpPr/>
+          <p:nvPr/>
+        </p:nvSpPr>
+        <p:spPr>
+          <a:xfrm rot="5400000">
+            <a:off x="3022143" y="4176273"/>
+            <a:ext cx="1860634" cy="1694622"/>
+          </a:xfrm>
+          <a:prstGeom prst="hexagon">
+            <a:avLst>
+              <a:gd name="adj" fmla="val 28674"/>
+              <a:gd name="vf" fmla="val 115470"/>
+            </a:avLst>
+          </a:prstGeom>
+          <a:solidFill>
+            <a:srgbClr val="282828"/>
+          </a:solidFill>
+          <a:ln w="50800">
+            <a:noFill/>
+          </a:ln>
+        </p:spPr>
+        <p:style>
+          <a:lnRef idx="2">
+            <a:schemeClr val="accent1">
+              <a:shade val="50000"/>
+            </a:schemeClr>
+          </a:lnRef>
+          <a:fillRef idx="1">
+            <a:schemeClr val="accent1"/>
+          </a:fillRef>
+          <a:effectRef idx="0">
+            <a:schemeClr val="accent1"/>
+          </a:effectRef>
+          <a:fontRef idx="minor">
+            <a:schemeClr val="lt1"/>
+          </a:fontRef>
+        </p:style>
+        <p:txBody>
+          <a:bodyPr rtlCol="0" anchor="ctr"/>
+          <a:lstStyle/>
+          <a:p>
+            <a:pPr algn="ctr"/>
+            <a:endParaRPr lang="sv-SE"/>
+          </a:p>
+        </p:txBody>
+      </p:sp>
+      <p:sp>
+        <p:nvSpPr>
+          <p:cNvPr id="18" name="Hexagon 17"/>
+          <p:cNvSpPr/>
+          <p:nvPr/>
+        </p:nvSpPr>
+        <p:spPr>
+          <a:xfrm rot="5400000">
+            <a:off x="4948677" y="4176273"/>
+            <a:ext cx="1860634" cy="1694622"/>
+          </a:xfrm>
+          <a:prstGeom prst="hexagon">
+            <a:avLst>
+              <a:gd name="adj" fmla="val 28674"/>
+              <a:gd name="vf" fmla="val 115470"/>
+            </a:avLst>
+          </a:prstGeom>
+          <a:solidFill>
+            <a:srgbClr val="282828"/>
+          </a:solidFill>
+          <a:ln w="50800">
+            <a:noFill/>
+          </a:ln>
+        </p:spPr>
+        <p:style>
+          <a:lnRef idx="2">
+            <a:schemeClr val="accent1">
+              <a:shade val="50000"/>
+            </a:schemeClr>
+          </a:lnRef>
+          <a:fillRef idx="1">
+            <a:schemeClr val="accent1"/>
+          </a:fillRef>
+          <a:effectRef idx="0">
+            <a:schemeClr val="accent1"/>
+          </a:effectRef>
+          <a:fontRef idx="minor">
+            <a:schemeClr val="lt1"/>
+          </a:fontRef>
+        </p:style>
+        <p:txBody>
+          <a:bodyPr rtlCol="0" anchor="ctr"/>
+          <a:lstStyle/>
+          <a:p>
+            <a:pPr algn="ctr"/>
+            <a:endParaRPr lang="sv-SE"/>
+          </a:p>
+        </p:txBody>
+      </p:sp>
+      <p:sp>
+        <p:nvSpPr>
+          <p:cNvPr id="19" name="Hexagon 18"/>
+          <p:cNvSpPr/>
+          <p:nvPr/>
+        </p:nvSpPr>
+        <p:spPr>
+          <a:xfrm rot="5400000">
+            <a:off x="6875211" y="4176272"/>
+            <a:ext cx="1860634" cy="1694622"/>
+          </a:xfrm>
+          <a:prstGeom prst="hexagon">
+            <a:avLst>
+              <a:gd name="adj" fmla="val 28674"/>
+              <a:gd name="vf" fmla="val 115470"/>
+            </a:avLst>
+          </a:prstGeom>
+          <a:solidFill>
+            <a:srgbClr val="282828"/>
+          </a:solidFill>
+          <a:ln w="50800">
+            <a:noFill/>
+          </a:ln>
+        </p:spPr>
+        <p:style>
+          <a:lnRef idx="2">
+            <a:schemeClr val="accent1">
+              <a:shade val="50000"/>
+            </a:schemeClr>
+          </a:lnRef>
+          <a:fillRef idx="1">
+            <a:schemeClr val="accent1"/>
+          </a:fillRef>
+          <a:effectRef idx="0">
+            <a:schemeClr val="accent1"/>
+          </a:effectRef>
+          <a:fontRef idx="minor">
+            <a:schemeClr val="lt1"/>
+          </a:fontRef>
+        </p:style>
+        <p:txBody>
+          <a:bodyPr rtlCol="0" anchor="ctr"/>
+          <a:lstStyle/>
+          <a:p>
+            <a:pPr algn="ctr"/>
+            <a:endParaRPr lang="sv-SE"/>
+          </a:p>
+        </p:txBody>
+      </p:sp>
+      <p:sp>
+        <p:nvSpPr>
+          <p:cNvPr id="14" name="Hexagon 13"/>
+          <p:cNvSpPr/>
+          <p:nvPr/>
+        </p:nvSpPr>
+        <p:spPr>
+          <a:xfrm rot="5400000">
+            <a:off x="3022143" y="1048762"/>
+            <a:ext cx="1860634" cy="1694622"/>
+          </a:xfrm>
+          <a:prstGeom prst="hexagon">
+            <a:avLst>
+              <a:gd name="adj" fmla="val 28674"/>
+              <a:gd name="vf" fmla="val 115470"/>
+            </a:avLst>
+          </a:prstGeom>
+          <a:solidFill>
+            <a:srgbClr val="282828"/>
+          </a:solidFill>
+          <a:ln w="50800">
+            <a:noFill/>
+          </a:ln>
+        </p:spPr>
+        <p:style>
+          <a:lnRef idx="2">
+            <a:schemeClr val="accent1">
+              <a:shade val="50000"/>
+            </a:schemeClr>
+          </a:lnRef>
+          <a:fillRef idx="1">
+            <a:schemeClr val="accent1"/>
+          </a:fillRef>
+          <a:effectRef idx="0">
+            <a:schemeClr val="accent1"/>
+          </a:effectRef>
+          <a:fontRef idx="minor">
+            <a:schemeClr val="lt1"/>
+          </a:fontRef>
+        </p:style>
+        <p:txBody>
+          <a:bodyPr rtlCol="0" anchor="ctr"/>
+          <a:lstStyle/>
+          <a:p>
+            <a:pPr algn="ctr"/>
+            <a:endParaRPr lang="sv-SE"/>
+          </a:p>
+        </p:txBody>
+      </p:sp>
+      <p:sp>
+        <p:nvSpPr>
+          <p:cNvPr id="15" name="Hexagon 14"/>
+          <p:cNvSpPr/>
+          <p:nvPr/>
+        </p:nvSpPr>
+        <p:spPr>
+          <a:xfrm rot="5400000">
+            <a:off x="4948677" y="1048762"/>
+            <a:ext cx="1860634" cy="1694622"/>
+          </a:xfrm>
+          <a:prstGeom prst="hexagon">
+            <a:avLst>
+              <a:gd name="adj" fmla="val 28674"/>
+              <a:gd name="vf" fmla="val 115470"/>
+            </a:avLst>
+          </a:prstGeom>
+          <a:solidFill>
+            <a:srgbClr val="282828"/>
+          </a:solidFill>
+          <a:ln w="50800">
+            <a:noFill/>
+          </a:ln>
+        </p:spPr>
+        <p:style>
+          <a:lnRef idx="2">
+            <a:schemeClr val="accent1">
+              <a:shade val="50000"/>
+            </a:schemeClr>
+          </a:lnRef>
+          <a:fillRef idx="1">
+            <a:schemeClr val="accent1"/>
+          </a:fillRef>
+          <a:effectRef idx="0">
+            <a:schemeClr val="accent1"/>
+          </a:effectRef>
+          <a:fontRef idx="minor">
+            <a:schemeClr val="lt1"/>
+          </a:fontRef>
+        </p:style>
+        <p:txBody>
+          <a:bodyPr rtlCol="0" anchor="ctr"/>
+          <a:lstStyle/>
+          <a:p>
+            <a:pPr algn="ctr"/>
+            <a:endParaRPr lang="sv-SE"/>
+          </a:p>
+        </p:txBody>
+      </p:sp>
+      <p:sp>
+        <p:nvSpPr>
+          <p:cNvPr id="16" name="Hexagon 15"/>
+          <p:cNvSpPr/>
+          <p:nvPr/>
+        </p:nvSpPr>
+        <p:spPr>
+          <a:xfrm rot="5400000">
+            <a:off x="6875211" y="1048761"/>
+            <a:ext cx="1860634" cy="1694622"/>
+          </a:xfrm>
+          <a:prstGeom prst="hexagon">
+            <a:avLst>
+              <a:gd name="adj" fmla="val 28674"/>
+              <a:gd name="vf" fmla="val 115470"/>
+            </a:avLst>
+          </a:prstGeom>
+          <a:solidFill>
+            <a:srgbClr val="282828"/>
+          </a:solidFill>
+          <a:ln w="50800">
+            <a:noFill/>
+          </a:ln>
+        </p:spPr>
+        <p:style>
+          <a:lnRef idx="2">
+            <a:schemeClr val="accent1">
+              <a:shade val="50000"/>
+            </a:schemeClr>
+          </a:lnRef>
+          <a:fillRef idx="1">
+            <a:schemeClr val="accent1"/>
+          </a:fillRef>
+          <a:effectRef idx="0">
+            <a:schemeClr val="accent1"/>
+          </a:effectRef>
+          <a:fontRef idx="minor">
+            <a:schemeClr val="lt1"/>
+          </a:fontRef>
+        </p:style>
+        <p:txBody>
+          <a:bodyPr rtlCol="0" anchor="ctr"/>
+          <a:lstStyle/>
+          <a:p>
+            <a:pPr algn="ctr"/>
+            <a:endParaRPr lang="sv-SE"/>
+          </a:p>
+        </p:txBody>
+      </p:sp>
+      <p:sp>
+        <p:nvSpPr>
+          <p:cNvPr id="21" name="Hexagon 20"/>
+          <p:cNvSpPr/>
+          <p:nvPr/>
+        </p:nvSpPr>
+        <p:spPr>
+          <a:xfrm rot="5400000">
+            <a:off x="3985410" y="2612517"/>
+            <a:ext cx="1860634" cy="1694622"/>
+          </a:xfrm>
+          <a:prstGeom prst="hexagon">
+            <a:avLst>
+              <a:gd name="adj" fmla="val 28674"/>
+              <a:gd name="vf" fmla="val 115470"/>
+            </a:avLst>
+          </a:prstGeom>
+          <a:solidFill>
+            <a:srgbClr val="282828"/>
+          </a:solidFill>
+          <a:ln w="50800">
+            <a:noFill/>
+          </a:ln>
+        </p:spPr>
+        <p:style>
+          <a:lnRef idx="2">
+            <a:schemeClr val="accent1">
+              <a:shade val="50000"/>
+            </a:schemeClr>
+          </a:lnRef>
+          <a:fillRef idx="1">
+            <a:schemeClr val="accent1"/>
+          </a:fillRef>
+          <a:effectRef idx="0">
+            <a:schemeClr val="accent1"/>
+          </a:effectRef>
+          <a:fontRef idx="minor">
+            <a:schemeClr val="lt1"/>
+          </a:fontRef>
+        </p:style>
+        <p:txBody>
+          <a:bodyPr rtlCol="0" anchor="ctr"/>
+          <a:lstStyle/>
+          <a:p>
+            <a:pPr algn="ctr"/>
+            <a:endParaRPr lang="sv-SE"/>
+          </a:p>
+        </p:txBody>
+      </p:sp>
+      <p:sp>
+        <p:nvSpPr>
+          <p:cNvPr id="51" name="TextBox 50"/>
+          <p:cNvSpPr txBox="1"/>
+          <p:nvPr/>
+        </p:nvSpPr>
+        <p:spPr>
+          <a:xfrm>
+            <a:off x="0" y="6670"/>
+            <a:ext cx="12192000" cy="769441"/>
+          </a:xfrm>
+          <a:prstGeom prst="rect">
+            <a:avLst/>
+          </a:prstGeom>
+          <a:noFill/>
+          <a:effectLst/>
+        </p:spPr>
+        <p:txBody>
+          <a:bodyPr wrap="square" rtlCol="0">
+            <a:spAutoFit/>
+          </a:bodyPr>
+          <a:lstStyle>
+            <a:defPPr>
+              <a:defRPr lang="sv-SE"/>
+            </a:defPPr>
+            <a:lvl1pPr algn="ctr">
+              <a:defRPr sz="6600" b="1">
+                <a:latin typeface="Lobster Two" panose="02000506000000020003" pitchFamily="50" charset="0"/>
+              </a:defRPr>
+            </a:lvl1pPr>
+          </a:lstStyle>
+          <a:p>
+            <a:pPr algn="l"/>
+            <a:r>
+              <a:rPr lang="sv-SE" sz="4400" dirty="0"/>
+              <a:t> Virtual Actors</a:t>
+            </a:r>
+          </a:p>
+        </p:txBody>
+      </p:sp>
+      <p:sp>
+        <p:nvSpPr>
+          <p:cNvPr id="52" name="Heart 11">
+            <a:extLst>
+              <a:ext uri="{FF2B5EF4-FFF2-40B4-BE49-F238E27FC236}">
+                <a16:creationId xmlns:a16="http://schemas.microsoft.com/office/drawing/2014/main" id="{D72B4C2A-B9DB-8F42-AD96-3134A42EECD1}"/>
+              </a:ext>
+            </a:extLst>
+          </p:cNvPr>
+          <p:cNvSpPr/>
+          <p:nvPr/>
+        </p:nvSpPr>
+        <p:spPr>
+          <a:xfrm rot="14287302">
+            <a:off x="6620668" y="3593430"/>
+            <a:ext cx="309820" cy="237477"/>
+          </a:xfrm>
+          <a:custGeom>
+            <a:avLst/>
+            <a:gdLst>
+              <a:gd name="connsiteX0" fmla="*/ 1103128 w 2206256"/>
+              <a:gd name="connsiteY0" fmla="*/ 518337 h 2073349"/>
+              <a:gd name="connsiteX1" fmla="*/ 1103128 w 2206256"/>
+              <a:gd name="connsiteY1" fmla="*/ 2073349 h 2073349"/>
+              <a:gd name="connsiteX2" fmla="*/ 1103128 w 2206256"/>
+              <a:gd name="connsiteY2" fmla="*/ 518337 h 2073349"/>
+              <a:gd name="connsiteX0" fmla="*/ 1111170 w 2054204"/>
+              <a:gd name="connsiteY0" fmla="*/ 492652 h 2047664"/>
+              <a:gd name="connsiteX1" fmla="*/ 1111170 w 2054204"/>
+              <a:gd name="connsiteY1" fmla="*/ 2047664 h 2047664"/>
+              <a:gd name="connsiteX2" fmla="*/ 1111170 w 2054204"/>
+              <a:gd name="connsiteY2" fmla="*/ 492652 h 2047664"/>
+              <a:gd name="connsiteX0" fmla="*/ 1088688 w 2031722"/>
+              <a:gd name="connsiteY0" fmla="*/ 331388 h 1889191"/>
+              <a:gd name="connsiteX1" fmla="*/ 1088688 w 2031722"/>
+              <a:gd name="connsiteY1" fmla="*/ 1886400 h 1889191"/>
+              <a:gd name="connsiteX2" fmla="*/ 1088688 w 2031722"/>
+              <a:gd name="connsiteY2" fmla="*/ 331388 h 1889191"/>
+              <a:gd name="connsiteX0" fmla="*/ 1088688 w 2457034"/>
+              <a:gd name="connsiteY0" fmla="*/ 298057 h 1855860"/>
+              <a:gd name="connsiteX1" fmla="*/ 1088688 w 2457034"/>
+              <a:gd name="connsiteY1" fmla="*/ 1853069 h 1855860"/>
+              <a:gd name="connsiteX2" fmla="*/ 1088688 w 2457034"/>
+              <a:gd name="connsiteY2" fmla="*/ 298057 h 1855860"/>
+              <a:gd name="connsiteX0" fmla="*/ 1494094 w 2862440"/>
+              <a:gd name="connsiteY0" fmla="*/ 247986 h 1806068"/>
+              <a:gd name="connsiteX1" fmla="*/ 1494094 w 2862440"/>
+              <a:gd name="connsiteY1" fmla="*/ 1802998 h 1806068"/>
+              <a:gd name="connsiteX2" fmla="*/ 1494094 w 2862440"/>
+              <a:gd name="connsiteY2" fmla="*/ 247986 h 1806068"/>
+              <a:gd name="connsiteX0" fmla="*/ 1494094 w 2567564"/>
+              <a:gd name="connsiteY0" fmla="*/ 357092 h 1915174"/>
+              <a:gd name="connsiteX1" fmla="*/ 1494094 w 2567564"/>
+              <a:gd name="connsiteY1" fmla="*/ 1912104 h 1915174"/>
+              <a:gd name="connsiteX2" fmla="*/ 1494094 w 2567564"/>
+              <a:gd name="connsiteY2" fmla="*/ 357092 h 1915174"/>
+              <a:gd name="connsiteX0" fmla="*/ 1453444 w 2574663"/>
+              <a:gd name="connsiteY0" fmla="*/ 349168 h 1985886"/>
+              <a:gd name="connsiteX1" fmla="*/ 1529695 w 2574663"/>
+              <a:gd name="connsiteY1" fmla="*/ 1982904 h 1985886"/>
+              <a:gd name="connsiteX2" fmla="*/ 1453444 w 2574663"/>
+              <a:gd name="connsiteY2" fmla="*/ 349168 h 1985886"/>
+              <a:gd name="connsiteX0" fmla="*/ 478315 w 1599534"/>
+              <a:gd name="connsiteY0" fmla="*/ 349168 h 1982904"/>
+              <a:gd name="connsiteX1" fmla="*/ 554566 w 1599534"/>
+              <a:gd name="connsiteY1" fmla="*/ 1982904 h 1982904"/>
+              <a:gd name="connsiteX2" fmla="*/ 298 w 1599534"/>
+              <a:gd name="connsiteY2" fmla="*/ 166414 h 1982904"/>
+              <a:gd name="connsiteX3" fmla="*/ 478315 w 1599534"/>
+              <a:gd name="connsiteY3" fmla="*/ 349168 h 1982904"/>
+              <a:gd name="connsiteX0" fmla="*/ 1463983 w 2585202"/>
+              <a:gd name="connsiteY0" fmla="*/ 349168 h 1982904"/>
+              <a:gd name="connsiteX1" fmla="*/ 1540234 w 2585202"/>
+              <a:gd name="connsiteY1" fmla="*/ 1982904 h 1982904"/>
+              <a:gd name="connsiteX2" fmla="*/ 86 w 2585202"/>
+              <a:gd name="connsiteY2" fmla="*/ 805385 h 1982904"/>
+              <a:gd name="connsiteX3" fmla="*/ 1463983 w 2585202"/>
+              <a:gd name="connsiteY3" fmla="*/ 349168 h 1982904"/>
+              <a:gd name="connsiteX0" fmla="*/ 1500902 w 2622121"/>
+              <a:gd name="connsiteY0" fmla="*/ 349168 h 1982904"/>
+              <a:gd name="connsiteX1" fmla="*/ 1577153 w 2622121"/>
+              <a:gd name="connsiteY1" fmla="*/ 1982904 h 1982904"/>
+              <a:gd name="connsiteX2" fmla="*/ 37005 w 2622121"/>
+              <a:gd name="connsiteY2" fmla="*/ 805385 h 1982904"/>
+              <a:gd name="connsiteX3" fmla="*/ 1500902 w 2622121"/>
+              <a:gd name="connsiteY3" fmla="*/ 349168 h 1982904"/>
+              <a:gd name="connsiteX0" fmla="*/ 1343887 w 2567224"/>
+              <a:gd name="connsiteY0" fmla="*/ 334064 h 2128056"/>
+              <a:gd name="connsiteX1" fmla="*/ 1577153 w 2567224"/>
+              <a:gd name="connsiteY1" fmla="*/ 2128056 h 2128056"/>
+              <a:gd name="connsiteX2" fmla="*/ 37005 w 2567224"/>
+              <a:gd name="connsiteY2" fmla="*/ 950537 h 2128056"/>
+              <a:gd name="connsiteX3" fmla="*/ 1343887 w 2567224"/>
+              <a:gd name="connsiteY3" fmla="*/ 334064 h 2128056"/>
+              <a:gd name="connsiteX0" fmla="*/ 1343887 w 2567224"/>
+              <a:gd name="connsiteY0" fmla="*/ 334064 h 2128056"/>
+              <a:gd name="connsiteX1" fmla="*/ 1577153 w 2567224"/>
+              <a:gd name="connsiteY1" fmla="*/ 2128056 h 2128056"/>
+              <a:gd name="connsiteX2" fmla="*/ 37005 w 2567224"/>
+              <a:gd name="connsiteY2" fmla="*/ 950537 h 2128056"/>
+              <a:gd name="connsiteX3" fmla="*/ 1343887 w 2567224"/>
+              <a:gd name="connsiteY3" fmla="*/ 334064 h 2128056"/>
+              <a:gd name="connsiteX0" fmla="*/ 1398062 w 2621399"/>
+              <a:gd name="connsiteY0" fmla="*/ 334064 h 2128056"/>
+              <a:gd name="connsiteX1" fmla="*/ 1631328 w 2621399"/>
+              <a:gd name="connsiteY1" fmla="*/ 2128056 h 2128056"/>
+              <a:gd name="connsiteX2" fmla="*/ 36006 w 2621399"/>
+              <a:gd name="connsiteY2" fmla="*/ 465464 h 2128056"/>
+              <a:gd name="connsiteX3" fmla="*/ 1398062 w 2621399"/>
+              <a:gd name="connsiteY3" fmla="*/ 334064 h 2128056"/>
+              <a:gd name="connsiteX0" fmla="*/ 1398062 w 2621399"/>
+              <a:gd name="connsiteY0" fmla="*/ 334064 h 2128056"/>
+              <a:gd name="connsiteX1" fmla="*/ 1631328 w 2621399"/>
+              <a:gd name="connsiteY1" fmla="*/ 2128056 h 2128056"/>
+              <a:gd name="connsiteX2" fmla="*/ 36006 w 2621399"/>
+              <a:gd name="connsiteY2" fmla="*/ 465464 h 2128056"/>
+              <a:gd name="connsiteX3" fmla="*/ 1398062 w 2621399"/>
+              <a:gd name="connsiteY3" fmla="*/ 334064 h 2128056"/>
+              <a:gd name="connsiteX0" fmla="*/ 1398062 w 2488701"/>
+              <a:gd name="connsiteY0" fmla="*/ 179170 h 1973162"/>
+              <a:gd name="connsiteX1" fmla="*/ 1631328 w 2488701"/>
+              <a:gd name="connsiteY1" fmla="*/ 1973162 h 1973162"/>
+              <a:gd name="connsiteX2" fmla="*/ 36006 w 2488701"/>
+              <a:gd name="connsiteY2" fmla="*/ 310570 h 1973162"/>
+              <a:gd name="connsiteX3" fmla="*/ 1398062 w 2488701"/>
+              <a:gd name="connsiteY3" fmla="*/ 179170 h 1973162"/>
+              <a:gd name="connsiteX0" fmla="*/ 1830446 w 2621323"/>
+              <a:gd name="connsiteY0" fmla="*/ 168723 h 2144566"/>
+              <a:gd name="connsiteX1" fmla="*/ 1631328 w 2621323"/>
+              <a:gd name="connsiteY1" fmla="*/ 2144566 h 2144566"/>
+              <a:gd name="connsiteX2" fmla="*/ 36006 w 2621323"/>
+              <a:gd name="connsiteY2" fmla="*/ 481974 h 2144566"/>
+              <a:gd name="connsiteX3" fmla="*/ 1830446 w 2621323"/>
+              <a:gd name="connsiteY3" fmla="*/ 168723 h 2144566"/>
+              <a:gd name="connsiteX0" fmla="*/ 1830446 w 2562621"/>
+              <a:gd name="connsiteY0" fmla="*/ 174187 h 2150030"/>
+              <a:gd name="connsiteX1" fmla="*/ 1631328 w 2562621"/>
+              <a:gd name="connsiteY1" fmla="*/ 2150030 h 2150030"/>
+              <a:gd name="connsiteX2" fmla="*/ 36006 w 2562621"/>
+              <a:gd name="connsiteY2" fmla="*/ 487438 h 2150030"/>
+              <a:gd name="connsiteX3" fmla="*/ 1830446 w 2562621"/>
+              <a:gd name="connsiteY3" fmla="*/ 174187 h 2150030"/>
+              <a:gd name="connsiteX0" fmla="*/ 1830446 w 2946118"/>
+              <a:gd name="connsiteY0" fmla="*/ 143339 h 2119182"/>
+              <a:gd name="connsiteX1" fmla="*/ 1631328 w 2946118"/>
+              <a:gd name="connsiteY1" fmla="*/ 2119182 h 2119182"/>
+              <a:gd name="connsiteX2" fmla="*/ 36006 w 2946118"/>
+              <a:gd name="connsiteY2" fmla="*/ 456590 h 2119182"/>
+              <a:gd name="connsiteX3" fmla="*/ 1830446 w 2946118"/>
+              <a:gd name="connsiteY3" fmla="*/ 143339 h 2119182"/>
+              <a:gd name="connsiteX0" fmla="*/ 1585362 w 2701034"/>
+              <a:gd name="connsiteY0" fmla="*/ 143339 h 2119182"/>
+              <a:gd name="connsiteX1" fmla="*/ 1386244 w 2701034"/>
+              <a:gd name="connsiteY1" fmla="*/ 2119182 h 2119182"/>
+              <a:gd name="connsiteX2" fmla="*/ 41023 w 2701034"/>
+              <a:gd name="connsiteY2" fmla="*/ 155112 h 2119182"/>
+              <a:gd name="connsiteX3" fmla="*/ 1585362 w 2701034"/>
+              <a:gd name="connsiteY3" fmla="*/ 143339 h 2119182"/>
+              <a:gd name="connsiteX0" fmla="*/ 1708412 w 2824084"/>
+              <a:gd name="connsiteY0" fmla="*/ 143339 h 2119182"/>
+              <a:gd name="connsiteX1" fmla="*/ 1509294 w 2824084"/>
+              <a:gd name="connsiteY1" fmla="*/ 2119182 h 2119182"/>
+              <a:gd name="connsiteX2" fmla="*/ 164073 w 2824084"/>
+              <a:gd name="connsiteY2" fmla="*/ 155112 h 2119182"/>
+              <a:gd name="connsiteX3" fmla="*/ 1708412 w 2824084"/>
+              <a:gd name="connsiteY3" fmla="*/ 143339 h 2119182"/>
+              <a:gd name="connsiteX0" fmla="*/ 1708412 w 2824084"/>
+              <a:gd name="connsiteY0" fmla="*/ 205943 h 2181786"/>
+              <a:gd name="connsiteX1" fmla="*/ 1509294 w 2824084"/>
+              <a:gd name="connsiteY1" fmla="*/ 2181786 h 2181786"/>
+              <a:gd name="connsiteX2" fmla="*/ 164073 w 2824084"/>
+              <a:gd name="connsiteY2" fmla="*/ 217716 h 2181786"/>
+              <a:gd name="connsiteX3" fmla="*/ 1708412 w 2824084"/>
+              <a:gd name="connsiteY3" fmla="*/ 205943 h 2181786"/>
+              <a:gd name="connsiteX0" fmla="*/ 1708412 w 2800950"/>
+              <a:gd name="connsiteY0" fmla="*/ 205943 h 2181786"/>
+              <a:gd name="connsiteX1" fmla="*/ 1509294 w 2800950"/>
+              <a:gd name="connsiteY1" fmla="*/ 2181786 h 2181786"/>
+              <a:gd name="connsiteX2" fmla="*/ 164073 w 2800950"/>
+              <a:gd name="connsiteY2" fmla="*/ 217716 h 2181786"/>
+              <a:gd name="connsiteX3" fmla="*/ 1708412 w 2800950"/>
+              <a:gd name="connsiteY3" fmla="*/ 205943 h 2181786"/>
+              <a:gd name="connsiteX0" fmla="*/ 1753893 w 2846431"/>
+              <a:gd name="connsiteY0" fmla="*/ 205943 h 2181786"/>
+              <a:gd name="connsiteX1" fmla="*/ 1554775 w 2846431"/>
+              <a:gd name="connsiteY1" fmla="*/ 2181786 h 2181786"/>
+              <a:gd name="connsiteX2" fmla="*/ 209554 w 2846431"/>
+              <a:gd name="connsiteY2" fmla="*/ 217716 h 2181786"/>
+              <a:gd name="connsiteX3" fmla="*/ 1753893 w 2846431"/>
+              <a:gd name="connsiteY3" fmla="*/ 205943 h 2181786"/>
+            </a:gdLst>
+            <a:ahLst/>
+            <a:cxnLst>
+              <a:cxn ang="0">
+                <a:pos x="connsiteX0" y="connsiteY0"/>
+              </a:cxn>
+              <a:cxn ang="0">
+                <a:pos x="connsiteX1" y="connsiteY1"/>
+              </a:cxn>
+              <a:cxn ang="0">
+                <a:pos x="connsiteX2" y="connsiteY2"/>
+              </a:cxn>
+              <a:cxn ang="0">
+                <a:pos x="connsiteX3" y="connsiteY3"/>
+              </a:cxn>
+            </a:cxnLst>
+            <a:rect l="l" t="t" r="r" b="b"/>
+            <a:pathLst>
+              <a:path w="2846431" h="2181786">
+                <a:moveTo>
+                  <a:pt x="1753893" y="205943"/>
+                </a:moveTo>
+                <a:cubicBezTo>
+                  <a:pt x="3258232" y="-529083"/>
+                  <a:pt x="3225113" y="2005322"/>
+                  <a:pt x="1554775" y="2181786"/>
+                </a:cubicBezTo>
+                <a:cubicBezTo>
+                  <a:pt x="880252" y="2000495"/>
+                  <a:pt x="-531837" y="1460942"/>
+                  <a:pt x="209554" y="217716"/>
+                </a:cubicBezTo>
+                <a:cubicBezTo>
+                  <a:pt x="803637" y="-365857"/>
+                  <a:pt x="1569146" y="434242"/>
+                  <a:pt x="1753893" y="205943"/>
+                </a:cubicBezTo>
+                <a:close/>
+              </a:path>
+            </a:pathLst>
+          </a:custGeom>
+          <a:solidFill>
+            <a:srgbClr val="FFCC29"/>
+          </a:solidFill>
+          <a:ln w="19050">
+            <a:solidFill>
+              <a:schemeClr val="bg1"/>
+            </a:solidFill>
+          </a:ln>
+          <a:effectLst>
+            <a:glow rad="76200">
+              <a:schemeClr val="accent2">
+                <a:satMod val="175000"/>
+              </a:schemeClr>
+            </a:glow>
+          </a:effectLst>
+        </p:spPr>
+        <p:style>
+          <a:lnRef idx="2">
+            <a:schemeClr val="accent1">
+              <a:shade val="50000"/>
+            </a:schemeClr>
+          </a:lnRef>
+          <a:fillRef idx="1">
+            <a:schemeClr val="accent1"/>
+          </a:fillRef>
+          <a:effectRef idx="0">
+            <a:schemeClr val="accent1"/>
+          </a:effectRef>
+          <a:fontRef idx="minor">
+            <a:schemeClr val="lt1"/>
+          </a:fontRef>
+        </p:style>
+        <p:txBody>
+          <a:bodyPr rtlCol="0" anchor="ctr"/>
+          <a:lstStyle/>
+          <a:p>
+            <a:pPr algn="ctr"/>
+            <a:endParaRPr lang="sv-SE" dirty="0"/>
+          </a:p>
+        </p:txBody>
+      </p:sp>
+      <p:sp>
+        <p:nvSpPr>
+          <p:cNvPr id="53" name="Oval 10">
+            <a:extLst>
+              <a:ext uri="{FF2B5EF4-FFF2-40B4-BE49-F238E27FC236}">
+                <a16:creationId xmlns:a16="http://schemas.microsoft.com/office/drawing/2014/main" id="{92C50166-8CF4-3149-84B9-73F8CA70A292}"/>
+              </a:ext>
+            </a:extLst>
+          </p:cNvPr>
+          <p:cNvSpPr/>
+          <p:nvPr/>
+        </p:nvSpPr>
+        <p:spPr>
+          <a:xfrm rot="2188284">
+            <a:off x="4667788" y="2854545"/>
+            <a:ext cx="263964" cy="229987"/>
+          </a:xfrm>
+          <a:custGeom>
+            <a:avLst/>
+            <a:gdLst>
+              <a:gd name="connsiteX0" fmla="*/ 0 w 1978090"/>
+              <a:gd name="connsiteY0" fmla="*/ 730121 h 1460241"/>
+              <a:gd name="connsiteX1" fmla="*/ 989045 w 1978090"/>
+              <a:gd name="connsiteY1" fmla="*/ 0 h 1460241"/>
+              <a:gd name="connsiteX2" fmla="*/ 1978090 w 1978090"/>
+              <a:gd name="connsiteY2" fmla="*/ 730121 h 1460241"/>
+              <a:gd name="connsiteX3" fmla="*/ 989045 w 1978090"/>
+              <a:gd name="connsiteY3" fmla="*/ 1460242 h 1460241"/>
+              <a:gd name="connsiteX4" fmla="*/ 0 w 1978090"/>
+              <a:gd name="connsiteY4" fmla="*/ 730121 h 1460241"/>
+              <a:gd name="connsiteX0" fmla="*/ 3797 w 1981887"/>
+              <a:gd name="connsiteY0" fmla="*/ 873303 h 1603424"/>
+              <a:gd name="connsiteX1" fmla="*/ 763031 w 1981887"/>
+              <a:gd name="connsiteY1" fmla="*/ 0 h 1603424"/>
+              <a:gd name="connsiteX2" fmla="*/ 1981887 w 1981887"/>
+              <a:gd name="connsiteY2" fmla="*/ 873303 h 1603424"/>
+              <a:gd name="connsiteX3" fmla="*/ 992842 w 1981887"/>
+              <a:gd name="connsiteY3" fmla="*/ 1603424 h 1603424"/>
+              <a:gd name="connsiteX4" fmla="*/ 3797 w 1981887"/>
+              <a:gd name="connsiteY4" fmla="*/ 873303 h 1603424"/>
+              <a:gd name="connsiteX0" fmla="*/ 38 w 1978128"/>
+              <a:gd name="connsiteY0" fmla="*/ 873303 h 1723502"/>
+              <a:gd name="connsiteX1" fmla="*/ 759272 w 1978128"/>
+              <a:gd name="connsiteY1" fmla="*/ 0 h 1723502"/>
+              <a:gd name="connsiteX2" fmla="*/ 1978128 w 1978128"/>
+              <a:gd name="connsiteY2" fmla="*/ 873303 h 1723502"/>
+              <a:gd name="connsiteX3" fmla="*/ 740247 w 1978128"/>
+              <a:gd name="connsiteY3" fmla="*/ 1723502 h 1723502"/>
+              <a:gd name="connsiteX4" fmla="*/ 38 w 1978128"/>
+              <a:gd name="connsiteY4" fmla="*/ 873303 h 1723502"/>
+            </a:gdLst>
+            <a:ahLst/>
+            <a:cxnLst>
+              <a:cxn ang="0">
+                <a:pos x="connsiteX0" y="connsiteY0"/>
+              </a:cxn>
+              <a:cxn ang="0">
+                <a:pos x="connsiteX1" y="connsiteY1"/>
+              </a:cxn>
+              <a:cxn ang="0">
+                <a:pos x="connsiteX2" y="connsiteY2"/>
+              </a:cxn>
+              <a:cxn ang="0">
+                <a:pos x="connsiteX3" y="connsiteY3"/>
+              </a:cxn>
+              <a:cxn ang="0">
+                <a:pos x="connsiteX4" y="connsiteY4"/>
+              </a:cxn>
+            </a:cxnLst>
+            <a:rect l="l" t="t" r="r" b="b"/>
+            <a:pathLst>
+              <a:path w="1978128" h="1723502">
+                <a:moveTo>
+                  <a:pt x="38" y="873303"/>
+                </a:moveTo>
+                <a:cubicBezTo>
+                  <a:pt x="3209" y="586053"/>
+                  <a:pt x="213038" y="0"/>
+                  <a:pt x="759272" y="0"/>
+                </a:cubicBezTo>
+                <a:cubicBezTo>
+                  <a:pt x="1305506" y="0"/>
+                  <a:pt x="1978128" y="470068"/>
+                  <a:pt x="1978128" y="873303"/>
+                </a:cubicBezTo>
+                <a:cubicBezTo>
+                  <a:pt x="1978128" y="1276538"/>
+                  <a:pt x="1286481" y="1723502"/>
+                  <a:pt x="740247" y="1723502"/>
+                </a:cubicBezTo>
+                <a:cubicBezTo>
+                  <a:pt x="194013" y="1723502"/>
+                  <a:pt x="-3133" y="1160553"/>
+                  <a:pt x="38" y="873303"/>
+                </a:cubicBezTo>
+                <a:close/>
+              </a:path>
+            </a:pathLst>
+          </a:custGeom>
+          <a:solidFill>
+            <a:srgbClr val="FF4909"/>
+          </a:solidFill>
+          <a:ln w="19050">
+            <a:solidFill>
+              <a:schemeClr val="bg1"/>
+            </a:solidFill>
+          </a:ln>
+          <a:effectLst>
+            <a:glow rad="76200">
+              <a:schemeClr val="accent2">
+                <a:satMod val="175000"/>
+              </a:schemeClr>
+            </a:glow>
+          </a:effectLst>
+        </p:spPr>
+        <p:style>
+          <a:lnRef idx="2">
+            <a:schemeClr val="accent1">
+              <a:shade val="50000"/>
+            </a:schemeClr>
+          </a:lnRef>
+          <a:fillRef idx="1">
+            <a:schemeClr val="accent1"/>
+          </a:fillRef>
+          <a:effectRef idx="0">
+            <a:schemeClr val="accent1"/>
+          </a:effectRef>
+          <a:fontRef idx="minor">
+            <a:schemeClr val="lt1"/>
+          </a:fontRef>
+        </p:style>
+        <p:txBody>
+          <a:bodyPr rtlCol="0" anchor="ctr"/>
+          <a:lstStyle/>
+          <a:p>
+            <a:pPr algn="ctr"/>
+            <a:endParaRPr lang="sv-SE"/>
+          </a:p>
+        </p:txBody>
+      </p:sp>
+      <p:sp>
+        <p:nvSpPr>
+          <p:cNvPr id="56" name="Isosceles Triangle 2">
+            <a:extLst>
+              <a:ext uri="{FF2B5EF4-FFF2-40B4-BE49-F238E27FC236}">
+                <a16:creationId xmlns:a16="http://schemas.microsoft.com/office/drawing/2014/main" id="{90B2A407-BFF0-F343-B942-FCFF9394210E}"/>
+              </a:ext>
+            </a:extLst>
+          </p:cNvPr>
+          <p:cNvSpPr/>
+          <p:nvPr/>
+        </p:nvSpPr>
+        <p:spPr>
+          <a:xfrm rot="10299074">
+            <a:off x="6012890" y="2037969"/>
+            <a:ext cx="294408" cy="268598"/>
+          </a:xfrm>
+          <a:custGeom>
+            <a:avLst/>
+            <a:gdLst>
+              <a:gd name="connsiteX0" fmla="*/ 0 w 1890307"/>
+              <a:gd name="connsiteY0" fmla="*/ 1484362 h 1484362"/>
+              <a:gd name="connsiteX1" fmla="*/ 945154 w 1890307"/>
+              <a:gd name="connsiteY1" fmla="*/ 0 h 1484362"/>
+              <a:gd name="connsiteX2" fmla="*/ 1890307 w 1890307"/>
+              <a:gd name="connsiteY2" fmla="*/ 1484362 h 1484362"/>
+              <a:gd name="connsiteX3" fmla="*/ 0 w 1890307"/>
+              <a:gd name="connsiteY3" fmla="*/ 1484362 h 1484362"/>
+              <a:gd name="connsiteX0" fmla="*/ 0 w 1890307"/>
+              <a:gd name="connsiteY0" fmla="*/ 1473410 h 1473410"/>
+              <a:gd name="connsiteX1" fmla="*/ 925980 w 1890307"/>
+              <a:gd name="connsiteY1" fmla="*/ 0 h 1473410"/>
+              <a:gd name="connsiteX2" fmla="*/ 1890307 w 1890307"/>
+              <a:gd name="connsiteY2" fmla="*/ 1473410 h 1473410"/>
+              <a:gd name="connsiteX3" fmla="*/ 0 w 1890307"/>
+              <a:gd name="connsiteY3" fmla="*/ 1473410 h 1473410"/>
+              <a:gd name="connsiteX0" fmla="*/ 0 w 1890307"/>
+              <a:gd name="connsiteY0" fmla="*/ 1473410 h 1473410"/>
+              <a:gd name="connsiteX1" fmla="*/ 925980 w 1890307"/>
+              <a:gd name="connsiteY1" fmla="*/ 0 h 1473410"/>
+              <a:gd name="connsiteX2" fmla="*/ 1890307 w 1890307"/>
+              <a:gd name="connsiteY2" fmla="*/ 1473410 h 1473410"/>
+              <a:gd name="connsiteX3" fmla="*/ 0 w 1890307"/>
+              <a:gd name="connsiteY3" fmla="*/ 1473410 h 1473410"/>
+              <a:gd name="connsiteX0" fmla="*/ 0 w 1890307"/>
+              <a:gd name="connsiteY0" fmla="*/ 1473410 h 1473410"/>
+              <a:gd name="connsiteX1" fmla="*/ 925980 w 1890307"/>
+              <a:gd name="connsiteY1" fmla="*/ 0 h 1473410"/>
+              <a:gd name="connsiteX2" fmla="*/ 1890307 w 1890307"/>
+              <a:gd name="connsiteY2" fmla="*/ 1473410 h 1473410"/>
+              <a:gd name="connsiteX3" fmla="*/ 0 w 1890307"/>
+              <a:gd name="connsiteY3" fmla="*/ 1473410 h 1473410"/>
+              <a:gd name="connsiteX0" fmla="*/ 9778 w 1900085"/>
+              <a:gd name="connsiteY0" fmla="*/ 1473410 h 1473410"/>
+              <a:gd name="connsiteX1" fmla="*/ 935758 w 1900085"/>
+              <a:gd name="connsiteY1" fmla="*/ 0 h 1473410"/>
+              <a:gd name="connsiteX2" fmla="*/ 1900085 w 1900085"/>
+              <a:gd name="connsiteY2" fmla="*/ 1473410 h 1473410"/>
+              <a:gd name="connsiteX3" fmla="*/ 9778 w 1900085"/>
+              <a:gd name="connsiteY3" fmla="*/ 1473410 h 1473410"/>
+              <a:gd name="connsiteX0" fmla="*/ 9778 w 1900085"/>
+              <a:gd name="connsiteY0" fmla="*/ 1473410 h 1602081"/>
+              <a:gd name="connsiteX1" fmla="*/ 935758 w 1900085"/>
+              <a:gd name="connsiteY1" fmla="*/ 0 h 1602081"/>
+              <a:gd name="connsiteX2" fmla="*/ 1900085 w 1900085"/>
+              <a:gd name="connsiteY2" fmla="*/ 1473410 h 1602081"/>
+              <a:gd name="connsiteX3" fmla="*/ 9778 w 1900085"/>
+              <a:gd name="connsiteY3" fmla="*/ 1473410 h 1602081"/>
+              <a:gd name="connsiteX0" fmla="*/ 9778 w 1900085"/>
+              <a:gd name="connsiteY0" fmla="*/ 1473410 h 1659298"/>
+              <a:gd name="connsiteX1" fmla="*/ 935758 w 1900085"/>
+              <a:gd name="connsiteY1" fmla="*/ 0 h 1659298"/>
+              <a:gd name="connsiteX2" fmla="*/ 1900085 w 1900085"/>
+              <a:gd name="connsiteY2" fmla="*/ 1473410 h 1659298"/>
+              <a:gd name="connsiteX3" fmla="*/ 9778 w 1900085"/>
+              <a:gd name="connsiteY3" fmla="*/ 1473410 h 1659298"/>
+              <a:gd name="connsiteX0" fmla="*/ 9778 w 1900085"/>
+              <a:gd name="connsiteY0" fmla="*/ 1473410 h 1659298"/>
+              <a:gd name="connsiteX1" fmla="*/ 935758 w 1900085"/>
+              <a:gd name="connsiteY1" fmla="*/ 0 h 1659298"/>
+              <a:gd name="connsiteX2" fmla="*/ 1900085 w 1900085"/>
+              <a:gd name="connsiteY2" fmla="*/ 1473410 h 1659298"/>
+              <a:gd name="connsiteX3" fmla="*/ 9778 w 1900085"/>
+              <a:gd name="connsiteY3" fmla="*/ 1473410 h 1659298"/>
+              <a:gd name="connsiteX0" fmla="*/ 11089 w 1901396"/>
+              <a:gd name="connsiteY0" fmla="*/ 1473432 h 1659320"/>
+              <a:gd name="connsiteX1" fmla="*/ 937069 w 1901396"/>
+              <a:gd name="connsiteY1" fmla="*/ 22 h 1659320"/>
+              <a:gd name="connsiteX2" fmla="*/ 1901396 w 1901396"/>
+              <a:gd name="connsiteY2" fmla="*/ 1473432 h 1659320"/>
+              <a:gd name="connsiteX3" fmla="*/ 11089 w 1901396"/>
+              <a:gd name="connsiteY3" fmla="*/ 1473432 h 1659320"/>
+              <a:gd name="connsiteX0" fmla="*/ 11089 w 1901396"/>
+              <a:gd name="connsiteY0" fmla="*/ 1474878 h 1660766"/>
+              <a:gd name="connsiteX1" fmla="*/ 937069 w 1901396"/>
+              <a:gd name="connsiteY1" fmla="*/ 1468 h 1660766"/>
+              <a:gd name="connsiteX2" fmla="*/ 1901396 w 1901396"/>
+              <a:gd name="connsiteY2" fmla="*/ 1474878 h 1660766"/>
+              <a:gd name="connsiteX3" fmla="*/ 11089 w 1901396"/>
+              <a:gd name="connsiteY3" fmla="*/ 1474878 h 1660766"/>
+              <a:gd name="connsiteX0" fmla="*/ 11089 w 1922551"/>
+              <a:gd name="connsiteY0" fmla="*/ 1474339 h 1660227"/>
+              <a:gd name="connsiteX1" fmla="*/ 937069 w 1922551"/>
+              <a:gd name="connsiteY1" fmla="*/ 929 h 1660227"/>
+              <a:gd name="connsiteX2" fmla="*/ 1901396 w 1922551"/>
+              <a:gd name="connsiteY2" fmla="*/ 1474339 h 1660227"/>
+              <a:gd name="connsiteX3" fmla="*/ 11089 w 1922551"/>
+              <a:gd name="connsiteY3" fmla="*/ 1474339 h 1660227"/>
+              <a:gd name="connsiteX0" fmla="*/ 11089 w 1922551"/>
+              <a:gd name="connsiteY0" fmla="*/ 1474339 h 1674829"/>
+              <a:gd name="connsiteX1" fmla="*/ 937069 w 1922551"/>
+              <a:gd name="connsiteY1" fmla="*/ 929 h 1674829"/>
+              <a:gd name="connsiteX2" fmla="*/ 1901396 w 1922551"/>
+              <a:gd name="connsiteY2" fmla="*/ 1474339 h 1674829"/>
+              <a:gd name="connsiteX3" fmla="*/ 11089 w 1922551"/>
+              <a:gd name="connsiteY3" fmla="*/ 1474339 h 1674829"/>
+              <a:gd name="connsiteX0" fmla="*/ 11089 w 1922551"/>
+              <a:gd name="connsiteY0" fmla="*/ 1474339 h 1672820"/>
+              <a:gd name="connsiteX1" fmla="*/ 937069 w 1922551"/>
+              <a:gd name="connsiteY1" fmla="*/ 929 h 1672820"/>
+              <a:gd name="connsiteX2" fmla="*/ 1901396 w 1922551"/>
+              <a:gd name="connsiteY2" fmla="*/ 1474339 h 1672820"/>
+              <a:gd name="connsiteX3" fmla="*/ 11089 w 1922551"/>
+              <a:gd name="connsiteY3" fmla="*/ 1474339 h 1672820"/>
+              <a:gd name="connsiteX0" fmla="*/ 30596 w 1942058"/>
+              <a:gd name="connsiteY0" fmla="*/ 1474339 h 1672820"/>
+              <a:gd name="connsiteX1" fmla="*/ 956576 w 1942058"/>
+              <a:gd name="connsiteY1" fmla="*/ 929 h 1672820"/>
+              <a:gd name="connsiteX2" fmla="*/ 1920903 w 1942058"/>
+              <a:gd name="connsiteY2" fmla="*/ 1474339 h 1672820"/>
+              <a:gd name="connsiteX3" fmla="*/ 30596 w 1942058"/>
+              <a:gd name="connsiteY3" fmla="*/ 1474339 h 1672820"/>
+              <a:gd name="connsiteX0" fmla="*/ 17715 w 1929177"/>
+              <a:gd name="connsiteY0" fmla="*/ 1474339 h 1672820"/>
+              <a:gd name="connsiteX1" fmla="*/ 943695 w 1929177"/>
+              <a:gd name="connsiteY1" fmla="*/ 929 h 1672820"/>
+              <a:gd name="connsiteX2" fmla="*/ 1908022 w 1929177"/>
+              <a:gd name="connsiteY2" fmla="*/ 1474339 h 1672820"/>
+              <a:gd name="connsiteX3" fmla="*/ 17715 w 1929177"/>
+              <a:gd name="connsiteY3" fmla="*/ 1474339 h 1672820"/>
+              <a:gd name="connsiteX0" fmla="*/ 17715 w 1929177"/>
+              <a:gd name="connsiteY0" fmla="*/ 1474339 h 1669905"/>
+              <a:gd name="connsiteX1" fmla="*/ 943695 w 1929177"/>
+              <a:gd name="connsiteY1" fmla="*/ 929 h 1669905"/>
+              <a:gd name="connsiteX2" fmla="*/ 1908022 w 1929177"/>
+              <a:gd name="connsiteY2" fmla="*/ 1474339 h 1669905"/>
+              <a:gd name="connsiteX3" fmla="*/ 17715 w 1929177"/>
+              <a:gd name="connsiteY3" fmla="*/ 1474339 h 1669905"/>
+              <a:gd name="connsiteX0" fmla="*/ 17715 w 1929177"/>
+              <a:gd name="connsiteY0" fmla="*/ 1474339 h 1680508"/>
+              <a:gd name="connsiteX1" fmla="*/ 943695 w 1929177"/>
+              <a:gd name="connsiteY1" fmla="*/ 929 h 1680508"/>
+              <a:gd name="connsiteX2" fmla="*/ 1908022 w 1929177"/>
+              <a:gd name="connsiteY2" fmla="*/ 1474339 h 1680508"/>
+              <a:gd name="connsiteX3" fmla="*/ 17715 w 1929177"/>
+              <a:gd name="connsiteY3" fmla="*/ 1474339 h 1680508"/>
+              <a:gd name="connsiteX0" fmla="*/ 17715 w 1914739"/>
+              <a:gd name="connsiteY0" fmla="*/ 1474493 h 1680662"/>
+              <a:gd name="connsiteX1" fmla="*/ 943695 w 1914739"/>
+              <a:gd name="connsiteY1" fmla="*/ 1083 h 1680662"/>
+              <a:gd name="connsiteX2" fmla="*/ 1908022 w 1914739"/>
+              <a:gd name="connsiteY2" fmla="*/ 1474493 h 1680662"/>
+              <a:gd name="connsiteX3" fmla="*/ 17715 w 1914739"/>
+              <a:gd name="connsiteY3" fmla="*/ 1474493 h 1680662"/>
+              <a:gd name="connsiteX0" fmla="*/ 17715 w 1914739"/>
+              <a:gd name="connsiteY0" fmla="*/ 1474493 h 1744282"/>
+              <a:gd name="connsiteX1" fmla="*/ 943695 w 1914739"/>
+              <a:gd name="connsiteY1" fmla="*/ 1083 h 1744282"/>
+              <a:gd name="connsiteX2" fmla="*/ 1908022 w 1914739"/>
+              <a:gd name="connsiteY2" fmla="*/ 1474493 h 1744282"/>
+              <a:gd name="connsiteX3" fmla="*/ 17715 w 1914739"/>
+              <a:gd name="connsiteY3" fmla="*/ 1474493 h 1744282"/>
+              <a:gd name="connsiteX0" fmla="*/ 17715 w 1912352"/>
+              <a:gd name="connsiteY0" fmla="*/ 1474914 h 1744703"/>
+              <a:gd name="connsiteX1" fmla="*/ 943695 w 1912352"/>
+              <a:gd name="connsiteY1" fmla="*/ 1504 h 1744703"/>
+              <a:gd name="connsiteX2" fmla="*/ 1908022 w 1912352"/>
+              <a:gd name="connsiteY2" fmla="*/ 1474914 h 1744703"/>
+              <a:gd name="connsiteX3" fmla="*/ 17715 w 1912352"/>
+              <a:gd name="connsiteY3" fmla="*/ 1474914 h 1744703"/>
+            </a:gdLst>
+            <a:ahLst/>
+            <a:cxnLst>
+              <a:cxn ang="0">
+                <a:pos x="connsiteX0" y="connsiteY0"/>
+              </a:cxn>
+              <a:cxn ang="0">
+                <a:pos x="connsiteX1" y="connsiteY1"/>
+              </a:cxn>
+              <a:cxn ang="0">
+                <a:pos x="connsiteX2" y="connsiteY2"/>
+              </a:cxn>
+              <a:cxn ang="0">
+                <a:pos x="connsiteX3" y="connsiteY3"/>
+              </a:cxn>
+            </a:cxnLst>
+            <a:rect l="l" t="t" r="r" b="b"/>
+            <a:pathLst>
+              <a:path w="1912352" h="1744703">
+                <a:moveTo>
+                  <a:pt x="17715" y="1474914"/>
+                </a:moveTo>
+                <a:cubicBezTo>
+                  <a:pt x="-110838" y="1144062"/>
+                  <a:pt x="487133" y="-4257"/>
+                  <a:pt x="943695" y="1504"/>
+                </a:cubicBezTo>
+                <a:cubicBezTo>
+                  <a:pt x="1323225" y="-41240"/>
+                  <a:pt x="1971445" y="836011"/>
+                  <a:pt x="1908022" y="1474914"/>
+                </a:cubicBezTo>
+                <a:cubicBezTo>
+                  <a:pt x="1777749" y="1909028"/>
+                  <a:pt x="206144" y="1751742"/>
+                  <a:pt x="17715" y="1474914"/>
+                </a:cubicBezTo>
+                <a:close/>
+              </a:path>
+            </a:pathLst>
+          </a:custGeom>
+          <a:solidFill>
+            <a:srgbClr val="9B00D2"/>
+          </a:solidFill>
+          <a:ln w="19050">
+            <a:solidFill>
+              <a:schemeClr val="bg1"/>
+            </a:solidFill>
+          </a:ln>
+          <a:effectLst>
+            <a:glow rad="76200">
+              <a:schemeClr val="accent2">
+                <a:satMod val="175000"/>
+              </a:schemeClr>
+            </a:glow>
+          </a:effectLst>
+        </p:spPr>
+        <p:style>
+          <a:lnRef idx="2">
+            <a:schemeClr val="accent1">
+              <a:shade val="50000"/>
+            </a:schemeClr>
+          </a:lnRef>
+          <a:fillRef idx="1">
+            <a:schemeClr val="accent1"/>
+          </a:fillRef>
+          <a:effectRef idx="0">
+            <a:schemeClr val="accent1"/>
+          </a:effectRef>
+          <a:fontRef idx="minor">
+            <a:schemeClr val="lt1"/>
+          </a:fontRef>
+        </p:style>
+        <p:txBody>
+          <a:bodyPr rtlCol="0" anchor="ctr"/>
+          <a:lstStyle/>
+          <a:p>
+            <a:pPr algn="ctr"/>
+            <a:endParaRPr lang="sv-SE"/>
+          </a:p>
+        </p:txBody>
+      </p:sp>
+    </p:spTree>
+    <p:extLst>
+      <p:ext uri="{BB962C8B-B14F-4D97-AF65-F5344CB8AC3E}">
+        <p14:creationId xmlns:p14="http://schemas.microsoft.com/office/powerpoint/2010/main" val="3088886938"/>
+      </p:ext>
+    </p:extLst>
+  </p:cSld>
+  <p:clrMapOvr>
+    <a:masterClrMapping/>
+  </p:clrMapOvr>
+  <mc:AlternateContent xmlns:mc="http://schemas.openxmlformats.org/markup-compatibility/2006" xmlns:p14="http://schemas.microsoft.com/office/powerpoint/2010/main">
+    <mc:Choice Requires="p14">
+      <p:transition spd="med" p14:dur="700">
+        <p:fade/>
+      </p:transition>
+    </mc:Choice>
+    <mc:Fallback xmlns="">
+      <p:transition spd="med">
+        <p:fade/>
+      </p:transition>
+    </mc:Fallback>
+  </mc:AlternateContent>
+  <p:timing>
+    <p:tnLst>
+      <p:par>
+        <p:cTn id="1" dur="indefinite" restart="never" nodeType="tmRoot">
+          <p:childTnLst>
+            <p:seq concurrent="1" nextAc="seek">
+              <p:cTn id="2" dur="indefinite" nodeType="mainSeq">
+                <p:childTnLst>
+                  <p:par>
+                    <p:cTn id="3" fill="hold">
+                      <p:stCondLst>
+                        <p:cond delay="indefinite"/>
+                      </p:stCondLst>
+                      <p:childTnLst>
+                        <p:par>
+                          <p:cTn id="4" fill="hold">
+                            <p:stCondLst>
+                              <p:cond delay="0"/>
+                            </p:stCondLst>
+                            <p:childTnLst>
+                              <p:par>
+                                <p:cTn id="5" presetID="53" presetClass="entr" presetSubtype="16" fill="hold" grpId="0" nodeType="clickEffect">
+                                  <p:stCondLst>
+                                    <p:cond delay="0"/>
+                                  </p:stCondLst>
+                                  <p:childTnLst>
+                                    <p:set>
+                                      <p:cBhvr>
+                                        <p:cTn id="6" dur="1" fill="hold">
+                                          <p:stCondLst>
+                                            <p:cond delay="0"/>
+                                          </p:stCondLst>
+                                        </p:cTn>
+                                        <p:tgtEl>
+                                          <p:spTgt spid="52"/>
+                                        </p:tgtEl>
+                                        <p:attrNameLst>
+                                          <p:attrName>style.visibility</p:attrName>
+                                        </p:attrNameLst>
+                                      </p:cBhvr>
+                                      <p:to>
+                                        <p:strVal val="visible"/>
+                                      </p:to>
+                                    </p:set>
+                                    <p:anim calcmode="lin" valueType="num">
+                                      <p:cBhvr>
+                                        <p:cTn id="7" dur="500" fill="hold"/>
+                                        <p:tgtEl>
+                                          <p:spTgt spid="52"/>
+                                        </p:tgtEl>
+                                        <p:attrNameLst>
+                                          <p:attrName>ppt_w</p:attrName>
+                                        </p:attrNameLst>
+                                      </p:cBhvr>
+                                      <p:tavLst>
+                                        <p:tav tm="0">
+                                          <p:val>
+                                            <p:fltVal val="0"/>
+                                          </p:val>
+                                        </p:tav>
+                                        <p:tav tm="100000">
+                                          <p:val>
+                                            <p:strVal val="#ppt_w"/>
+                                          </p:val>
+                                        </p:tav>
+                                      </p:tavLst>
+                                    </p:anim>
+                                    <p:anim calcmode="lin" valueType="num">
+                                      <p:cBhvr>
+                                        <p:cTn id="8" dur="500" fill="hold"/>
+                                        <p:tgtEl>
+                                          <p:spTgt spid="52"/>
+                                        </p:tgtEl>
+                                        <p:attrNameLst>
+                                          <p:attrName>ppt_h</p:attrName>
+                                        </p:attrNameLst>
+                                      </p:cBhvr>
+                                      <p:tavLst>
+                                        <p:tav tm="0">
+                                          <p:val>
+                                            <p:fltVal val="0"/>
+                                          </p:val>
+                                        </p:tav>
+                                        <p:tav tm="100000">
+                                          <p:val>
+                                            <p:strVal val="#ppt_h"/>
+                                          </p:val>
+                                        </p:tav>
+                                      </p:tavLst>
+                                    </p:anim>
+                                    <p:animEffect transition="in" filter="fade">
+                                      <p:cBhvr>
+                                        <p:cTn id="9" dur="500"/>
+                                        <p:tgtEl>
+                                          <p:spTgt spid="52"/>
+                                        </p:tgtEl>
+                                      </p:cBhvr>
+                                    </p:animEffect>
+                                  </p:childTnLst>
+                                </p:cTn>
+                              </p:par>
+                              <p:par>
+                                <p:cTn id="10" presetID="53" presetClass="entr" presetSubtype="16" fill="hold" grpId="0" nodeType="withEffect">
+                                  <p:stCondLst>
+                                    <p:cond delay="0"/>
+                                  </p:stCondLst>
+                                  <p:childTnLst>
+                                    <p:set>
+                                      <p:cBhvr>
+                                        <p:cTn id="11" dur="1" fill="hold">
+                                          <p:stCondLst>
+                                            <p:cond delay="0"/>
+                                          </p:stCondLst>
+                                        </p:cTn>
+                                        <p:tgtEl>
+                                          <p:spTgt spid="56"/>
+                                        </p:tgtEl>
+                                        <p:attrNameLst>
+                                          <p:attrName>style.visibility</p:attrName>
+                                        </p:attrNameLst>
+                                      </p:cBhvr>
+                                      <p:to>
+                                        <p:strVal val="visible"/>
+                                      </p:to>
+                                    </p:set>
+                                    <p:anim calcmode="lin" valueType="num">
+                                      <p:cBhvr>
+                                        <p:cTn id="12" dur="500" fill="hold"/>
+                                        <p:tgtEl>
+                                          <p:spTgt spid="56"/>
+                                        </p:tgtEl>
+                                        <p:attrNameLst>
+                                          <p:attrName>ppt_w</p:attrName>
+                                        </p:attrNameLst>
+                                      </p:cBhvr>
+                                      <p:tavLst>
+                                        <p:tav tm="0">
+                                          <p:val>
+                                            <p:fltVal val="0"/>
+                                          </p:val>
+                                        </p:tav>
+                                        <p:tav tm="100000">
+                                          <p:val>
+                                            <p:strVal val="#ppt_w"/>
+                                          </p:val>
+                                        </p:tav>
+                                      </p:tavLst>
+                                    </p:anim>
+                                    <p:anim calcmode="lin" valueType="num">
+                                      <p:cBhvr>
+                                        <p:cTn id="13" dur="500" fill="hold"/>
+                                        <p:tgtEl>
+                                          <p:spTgt spid="56"/>
+                                        </p:tgtEl>
+                                        <p:attrNameLst>
+                                          <p:attrName>ppt_h</p:attrName>
+                                        </p:attrNameLst>
+                                      </p:cBhvr>
+                                      <p:tavLst>
+                                        <p:tav tm="0">
+                                          <p:val>
+                                            <p:fltVal val="0"/>
+                                          </p:val>
+                                        </p:tav>
+                                        <p:tav tm="100000">
+                                          <p:val>
+                                            <p:strVal val="#ppt_h"/>
+                                          </p:val>
+                                        </p:tav>
+                                      </p:tavLst>
+                                    </p:anim>
+                                    <p:animEffect transition="in" filter="fade">
+                                      <p:cBhvr>
+                                        <p:cTn id="14" dur="500"/>
+                                        <p:tgtEl>
+                                          <p:spTgt spid="56"/>
+                                        </p:tgtEl>
+                                      </p:cBhvr>
+                                    </p:animEffect>
+                                  </p:childTnLst>
+                                </p:cTn>
+                              </p:par>
+                              <p:par>
+                                <p:cTn id="15" presetID="53" presetClass="entr" presetSubtype="16" fill="hold" grpId="0" nodeType="withEffect">
+                                  <p:stCondLst>
+                                    <p:cond delay="0"/>
+                                  </p:stCondLst>
+                                  <p:childTnLst>
+                                    <p:set>
+                                      <p:cBhvr>
+                                        <p:cTn id="16" dur="1" fill="hold">
+                                          <p:stCondLst>
+                                            <p:cond delay="0"/>
+                                          </p:stCondLst>
+                                        </p:cTn>
+                                        <p:tgtEl>
+                                          <p:spTgt spid="53"/>
+                                        </p:tgtEl>
+                                        <p:attrNameLst>
+                                          <p:attrName>style.visibility</p:attrName>
+                                        </p:attrNameLst>
+                                      </p:cBhvr>
+                                      <p:to>
+                                        <p:strVal val="visible"/>
+                                      </p:to>
+                                    </p:set>
+                                    <p:anim calcmode="lin" valueType="num">
+                                      <p:cBhvr>
+                                        <p:cTn id="17" dur="500" fill="hold"/>
+                                        <p:tgtEl>
+                                          <p:spTgt spid="53"/>
+                                        </p:tgtEl>
+                                        <p:attrNameLst>
+                                          <p:attrName>ppt_w</p:attrName>
+                                        </p:attrNameLst>
+                                      </p:cBhvr>
+                                      <p:tavLst>
+                                        <p:tav tm="0">
+                                          <p:val>
+                                            <p:fltVal val="0"/>
+                                          </p:val>
+                                        </p:tav>
+                                        <p:tav tm="100000">
+                                          <p:val>
+                                            <p:strVal val="#ppt_w"/>
+                                          </p:val>
+                                        </p:tav>
+                                      </p:tavLst>
+                                    </p:anim>
+                                    <p:anim calcmode="lin" valueType="num">
+                                      <p:cBhvr>
+                                        <p:cTn id="18" dur="500" fill="hold"/>
+                                        <p:tgtEl>
+                                          <p:spTgt spid="53"/>
+                                        </p:tgtEl>
+                                        <p:attrNameLst>
+                                          <p:attrName>ppt_h</p:attrName>
+                                        </p:attrNameLst>
+                                      </p:cBhvr>
+                                      <p:tavLst>
+                                        <p:tav tm="0">
+                                          <p:val>
+                                            <p:fltVal val="0"/>
+                                          </p:val>
+                                        </p:tav>
+                                        <p:tav tm="100000">
+                                          <p:val>
+                                            <p:strVal val="#ppt_h"/>
+                                          </p:val>
+                                        </p:tav>
+                                      </p:tavLst>
+                                    </p:anim>
+                                    <p:animEffect transition="in" filter="fade">
+                                      <p:cBhvr>
+                                        <p:cTn id="19" dur="500"/>
+                                        <p:tgtEl>
+                                          <p:spTgt spid="53"/>
+                                        </p:tgtEl>
+                                      </p:cBhvr>
+                                    </p:animEffect>
+                                  </p:childTnLst>
+                                </p:cTn>
+                              </p:par>
+                            </p:childTnLst>
+                          </p:cTn>
+                        </p:par>
+                      </p:childTnLst>
+                    </p:cTn>
+                  </p:par>
+                </p:childTnLst>
+              </p:cTn>
+              <p:prevCondLst>
+                <p:cond evt="onPrev" delay="0">
+                  <p:tgtEl>
+                    <p:sldTgt/>
+                  </p:tgtEl>
+                </p:cond>
+              </p:prevCondLst>
+              <p:nextCondLst>
+                <p:cond evt="onNext" delay="0">
+                  <p:tgtEl>
+                    <p:sldTgt/>
+                  </p:tgtEl>
+                </p:cond>
+              </p:nextCondLst>
+            </p:seq>
+          </p:childTnLst>
+        </p:cTn>
+      </p:par>
+    </p:tnLst>
+    <p:bldLst>
+      <p:bldP spid="52" grpId="0" animBg="1"/>
+      <p:bldP spid="53" grpId="0" animBg="1"/>
+      <p:bldP spid="56" grpId="0" animBg="1"/>
+    </p:bldLst>
+  </p:timing>
+</p:sld>
+</file>
+
+<file path=ppt/slides/slide31.xml><?xml version="1.0" encoding="utf-8"?>
+<p:sld xmlns:a="http://schemas.openxmlformats.org/drawingml/2006/main" xmlns:r="http://schemas.openxmlformats.org/officeDocument/2006/relationships" xmlns:p="http://schemas.openxmlformats.org/presentationml/2006/main">
+  <p:cSld>
+    <p:bg>
+      <p:bgPr>
+        <a:solidFill>
+          <a:srgbClr val="1F4E79"/>
+        </a:solidFill>
+        <a:effectLst/>
+      </p:bgPr>
+    </p:bg>
+    <p:spTree>
+      <p:nvGrpSpPr>
+        <p:cNvPr id="1" name=""/>
+        <p:cNvGrpSpPr/>
+        <p:nvPr/>
+      </p:nvGrpSpPr>
+      <p:grpSpPr>
+        <a:xfrm>
+          <a:off x="0" y="0"/>
+          <a:ext cx="0" cy="0"/>
+          <a:chOff x="0" y="0"/>
+          <a:chExt cx="0" cy="0"/>
+        </a:xfrm>
+      </p:grpSpPr>
+      <p:sp>
+        <p:nvSpPr>
+          <p:cNvPr id="20" name="Hexagon 19"/>
+          <p:cNvSpPr/>
+          <p:nvPr/>
+        </p:nvSpPr>
+        <p:spPr>
+          <a:xfrm rot="5400000">
+            <a:off x="2058876" y="2612517"/>
+            <a:ext cx="1860634" cy="1694622"/>
+          </a:xfrm>
+          <a:prstGeom prst="hexagon">
+            <a:avLst>
+              <a:gd name="adj" fmla="val 28674"/>
+              <a:gd name="vf" fmla="val 115470"/>
+            </a:avLst>
+          </a:prstGeom>
+          <a:solidFill>
+            <a:srgbClr val="282828"/>
+          </a:solidFill>
+          <a:ln w="50800">
+            <a:noFill/>
+          </a:ln>
+        </p:spPr>
+        <p:style>
+          <a:lnRef idx="2">
+            <a:schemeClr val="accent1">
+              <a:shade val="50000"/>
+            </a:schemeClr>
+          </a:lnRef>
+          <a:fillRef idx="1">
+            <a:schemeClr val="accent1"/>
+          </a:fillRef>
+          <a:effectRef idx="0">
+            <a:schemeClr val="accent1"/>
+          </a:effectRef>
+          <a:fontRef idx="minor">
+            <a:schemeClr val="lt1"/>
+          </a:fontRef>
+        </p:style>
+        <p:txBody>
+          <a:bodyPr rtlCol="0" anchor="ctr"/>
+          <a:lstStyle/>
+          <a:p>
+            <a:pPr algn="ctr"/>
+            <a:endParaRPr lang="sv-SE"/>
+          </a:p>
+        </p:txBody>
+      </p:sp>
+      <p:sp>
+        <p:nvSpPr>
+          <p:cNvPr id="22" name="Hexagon 21"/>
+          <p:cNvSpPr/>
+          <p:nvPr/>
+        </p:nvSpPr>
+        <p:spPr>
+          <a:xfrm rot="5400000">
+            <a:off x="5911944" y="2612517"/>
+            <a:ext cx="1860634" cy="1694622"/>
+          </a:xfrm>
+          <a:prstGeom prst="hexagon">
+            <a:avLst>
+              <a:gd name="adj" fmla="val 28674"/>
+              <a:gd name="vf" fmla="val 115470"/>
+            </a:avLst>
+          </a:prstGeom>
+          <a:solidFill>
+            <a:srgbClr val="282828"/>
+          </a:solidFill>
+          <a:ln w="50800">
+            <a:noFill/>
+          </a:ln>
+        </p:spPr>
+        <p:style>
+          <a:lnRef idx="2">
+            <a:schemeClr val="accent1">
+              <a:shade val="50000"/>
+            </a:schemeClr>
+          </a:lnRef>
+          <a:fillRef idx="1">
+            <a:schemeClr val="accent1"/>
+          </a:fillRef>
+          <a:effectRef idx="0">
+            <a:schemeClr val="accent1"/>
+          </a:effectRef>
+          <a:fontRef idx="minor">
+            <a:schemeClr val="lt1"/>
+          </a:fontRef>
+        </p:style>
+        <p:txBody>
+          <a:bodyPr rtlCol="0" anchor="ctr"/>
+          <a:lstStyle/>
+          <a:p>
+            <a:pPr algn="ctr"/>
+            <a:endParaRPr lang="sv-SE"/>
+          </a:p>
+        </p:txBody>
+      </p:sp>
+      <p:sp>
+        <p:nvSpPr>
+          <p:cNvPr id="23" name="Hexagon 22"/>
+          <p:cNvSpPr/>
+          <p:nvPr/>
+        </p:nvSpPr>
+        <p:spPr>
+          <a:xfrm rot="5400000">
+            <a:off x="7838478" y="2612517"/>
+            <a:ext cx="1860634" cy="1694622"/>
+          </a:xfrm>
+          <a:prstGeom prst="hexagon">
+            <a:avLst>
+              <a:gd name="adj" fmla="val 28674"/>
+              <a:gd name="vf" fmla="val 115470"/>
+            </a:avLst>
+          </a:prstGeom>
+          <a:solidFill>
+            <a:srgbClr val="282828"/>
+          </a:solidFill>
+          <a:ln w="50800">
+            <a:noFill/>
+          </a:ln>
+        </p:spPr>
+        <p:style>
+          <a:lnRef idx="2">
+            <a:schemeClr val="accent1">
+              <a:shade val="50000"/>
+            </a:schemeClr>
+          </a:lnRef>
+          <a:fillRef idx="1">
+            <a:schemeClr val="accent1"/>
+          </a:fillRef>
+          <a:effectRef idx="0">
+            <a:schemeClr val="accent1"/>
+          </a:effectRef>
+          <a:fontRef idx="minor">
+            <a:schemeClr val="lt1"/>
+          </a:fontRef>
+        </p:style>
+        <p:txBody>
+          <a:bodyPr rtlCol="0" anchor="ctr"/>
+          <a:lstStyle/>
+          <a:p>
+            <a:pPr algn="ctr"/>
+            <a:endParaRPr lang="sv-SE"/>
+          </a:p>
+        </p:txBody>
+      </p:sp>
       <p:grpSp>
         <p:nvGrpSpPr>
           <p:cNvPr id="12" name="Group 11"/>
@@ -31311,20 +32863,20 @@
     </p:spTree>
     <p:extLst>
       <p:ext uri="{BB962C8B-B14F-4D97-AF65-F5344CB8AC3E}">
-        <p14:creationId xmlns:p14="http://schemas.microsoft.com/office/powerpoint/2010/main" val="3088886938"/>
+        <p14:creationId xmlns:p14="http://schemas.microsoft.com/office/powerpoint/2010/main" val="1154310142"/>
       </p:ext>
     </p:extLst>
   </p:cSld>
   <p:clrMapOvr>
     <a:masterClrMapping/>
   </p:clrMapOvr>
-  <mc:AlternateContent xmlns:mc="http://schemas.openxmlformats.org/markup-compatibility/2006" xmlns:p14="http://schemas.microsoft.com/office/powerpoint/2010/main">
-    <mc:Choice Requires="p14">
+  <mc:AlternateContent xmlns:mc="http://schemas.openxmlformats.org/markup-compatibility/2006">
+    <mc:Choice xmlns:p14="http://schemas.microsoft.com/office/powerpoint/2010/main" Requires="p14">
       <p:transition spd="med" p14:dur="700">
         <p:fade/>
       </p:transition>
     </mc:Choice>
-    <mc:Fallback xmlns="">
+    <mc:Fallback>
       <p:transition spd="med">
         <p:fade/>
       </p:transition>
@@ -31728,7 +33280,7 @@
 </p:sld>
 </file>
 
-<file path=ppt/slides/slide31.xml><?xml version="1.0" encoding="utf-8"?>
+<file path=ppt/slides/slide32.xml><?xml version="1.0" encoding="utf-8"?>
 <p:sld xmlns:a="http://schemas.openxmlformats.org/drawingml/2006/main" xmlns:r="http://schemas.openxmlformats.org/officeDocument/2006/relationships" xmlns:p="http://schemas.openxmlformats.org/presentationml/2006/main">
   <p:cSld>
     <p:bg>
@@ -32040,8 +33592,29 @@
                 <a:uFillTx/>
                 <a:latin typeface="Calibri" panose="020F0502020204030204"/>
               </a:rPr>
-              <a:t>Mail: rogeralsing@gmail.com</a:t>
+              <a:t>Mail: </a:t>
             </a:r>
+            <a:r>
+              <a:rPr kumimoji="0" lang="sv-SE" sz="2400" i="0" u="none" strike="noStrike" kern="1200" cap="none" spc="0" normalizeH="0" baseline="0" noProof="0" dirty="0" err="1">
+                <a:ln w="12700">
+                  <a:noFill/>
+                </a:ln>
+                <a:effectLst/>
+                <a:uLnTx/>
+                <a:uFillTx/>
+                <a:latin typeface="Calibri" panose="020F0502020204030204"/>
+              </a:rPr>
+              <a:t>roger@asynkron.se</a:t>
+            </a:r>
+            <a:endParaRPr kumimoji="0" lang="sv-SE" sz="2400" i="0" u="none" strike="noStrike" kern="1200" cap="none" spc="0" normalizeH="0" baseline="0" noProof="0" dirty="0">
+              <a:ln w="12700">
+                <a:noFill/>
+              </a:ln>
+              <a:effectLst/>
+              <a:uLnTx/>
+              <a:uFillTx/>
+              <a:latin typeface="Calibri" panose="020F0502020204030204"/>
+            </a:endParaRPr>
           </a:p>
           <a:p>
             <a:pPr>
@@ -40581,13 +42154,13 @@
 
 <file path=customXml/item2.xml><?xml version="1.0" encoding="utf-8"?>
 <Control xmlns="http://schemas.microsoft.com/VisualStudio/2011/storyboarding/control">
-  <Id Name="44a0c100-6804-4ba7-b49b-e7ac250487c7" Revision="1" Stencil="System.MyShapes" StencilVersion="1.0"/>
+  <Id Name="dc90df87-36f1-4586-bce0-8a0e230fa5e3" Revision="1" Stencil="System.MyShapes" StencilVersion="1.0"/>
 </Control>
 </file>
 
 <file path=customXml/item3.xml><?xml version="1.0" encoding="utf-8"?>
 <Control xmlns="http://schemas.microsoft.com/VisualStudio/2011/storyboarding/control">
-  <Id Name="dc90df87-36f1-4586-bce0-8a0e230fa5e3" Revision="1" Stencil="System.MyShapes" StencilVersion="1.0"/>
+  <Id Name="44a0c100-6804-4ba7-b49b-e7ac250487c7" Revision="1" Stencil="System.MyShapes" StencilVersion="1.0"/>
 </Control>
 </file>
 
@@ -40600,7 +42173,7 @@
 </file>
 
 <file path=customXml/itemProps2.xml><?xml version="1.0" encoding="utf-8"?>
-<ds:datastoreItem xmlns:ds="http://schemas.openxmlformats.org/officeDocument/2006/customXml" ds:itemID="{C628A903-7748-4EDB-A72A-3ECFEA25BB5E}">
+<ds:datastoreItem xmlns:ds="http://schemas.openxmlformats.org/officeDocument/2006/customXml" ds:itemID="{CDA122B6-4EED-4C79-89A6-6B2CCEF25CD0}">
   <ds:schemaRefs>
     <ds:schemaRef ds:uri="http://schemas.microsoft.com/VisualStudio/2011/storyboarding/control"/>
   </ds:schemaRefs>
@@ -40608,7 +42181,7 @@
 </file>
 
 <file path=customXml/itemProps3.xml><?xml version="1.0" encoding="utf-8"?>
-<ds:datastoreItem xmlns:ds="http://schemas.openxmlformats.org/officeDocument/2006/customXml" ds:itemID="{CDA122B6-4EED-4C79-89A6-6B2CCEF25CD0}">
+<ds:datastoreItem xmlns:ds="http://schemas.openxmlformats.org/officeDocument/2006/customXml" ds:itemID="{C628A903-7748-4EDB-A72A-3ECFEA25BB5E}">
   <ds:schemaRefs>
     <ds:schemaRef ds:uri="http://schemas.microsoft.com/VisualStudio/2011/storyboarding/control"/>
   </ds:schemaRefs>
